--- a/Lectures/Lesson 21 - Spring Jdbc. Flyway.pptx
+++ b/Lectures/Lesson 21 - Spring Jdbc. Flyway.pptx
@@ -5,7 +5,7 @@
     <p:sldMasterId id="2147483666" r:id="rId1"/>
   </p:sldMasterIdLst>
   <p:notesMasterIdLst>
-    <p:notesMasterId r:id="rId23"/>
+    <p:notesMasterId r:id="rId24"/>
   </p:notesMasterIdLst>
   <p:sldIdLst>
     <p:sldId id="488" r:id="rId2"/>
@@ -28,7 +28,8 @@
     <p:sldId id="502" r:id="rId19"/>
     <p:sldId id="497" r:id="rId20"/>
     <p:sldId id="280" r:id="rId21"/>
-    <p:sldId id="339" r:id="rId22"/>
+    <p:sldId id="503" r:id="rId22"/>
+    <p:sldId id="339" r:id="rId23"/>
   </p:sldIdLst>
   <p:sldSz cx="12192000" cy="6858000"/>
   <p:notesSz cx="6858000" cy="9144000"/>
@@ -1901,6 +1902,90 @@
 </file>
 
 <file path=ppt/notesSlides/notesSlide21.xml><?xml version="1.0" encoding="utf-8"?>
+<p:notes xmlns:a="http://schemas.openxmlformats.org/drawingml/2006/main" xmlns:r="http://schemas.openxmlformats.org/officeDocument/2006/relationships" xmlns:p="http://schemas.openxmlformats.org/presentationml/2006/main">
+  <p:cSld>
+    <p:spTree>
+      <p:nvGrpSpPr>
+        <p:cNvPr id="1" name=""/>
+        <p:cNvGrpSpPr/>
+        <p:nvPr/>
+      </p:nvGrpSpPr>
+      <p:grpSpPr>
+        <a:xfrm>
+          <a:off x="0" y="0"/>
+          <a:ext cx="0" cy="0"/>
+          <a:chOff x="0" y="0"/>
+          <a:chExt cx="0" cy="0"/>
+        </a:xfrm>
+      </p:grpSpPr>
+      <p:sp>
+        <p:nvSpPr>
+          <p:cNvPr id="2" name="Образ слайда 1"/>
+          <p:cNvSpPr>
+            <a:spLocks noGrp="1" noRot="1" noChangeAspect="1"/>
+          </p:cNvSpPr>
+          <p:nvPr>
+            <p:ph type="sldImg"/>
+          </p:nvPr>
+        </p:nvSpPr>
+        <p:spPr/>
+      </p:sp>
+      <p:sp>
+        <p:nvSpPr>
+          <p:cNvPr id="3" name="Заметки 2"/>
+          <p:cNvSpPr>
+            <a:spLocks noGrp="1"/>
+          </p:cNvSpPr>
+          <p:nvPr>
+            <p:ph type="body" idx="1"/>
+          </p:nvPr>
+        </p:nvSpPr>
+        <p:spPr/>
+        <p:txBody>
+          <a:bodyPr/>
+          <a:lstStyle/>
+          <a:p>
+            <a:endParaRPr lang="ru-RU" dirty="0"/>
+          </a:p>
+        </p:txBody>
+      </p:sp>
+      <p:sp>
+        <p:nvSpPr>
+          <p:cNvPr id="4" name="Номер слайда 3"/>
+          <p:cNvSpPr>
+            <a:spLocks noGrp="1"/>
+          </p:cNvSpPr>
+          <p:nvPr>
+            <p:ph type="sldNum" sz="quarter" idx="10"/>
+          </p:nvPr>
+        </p:nvSpPr>
+        <p:spPr/>
+        <p:txBody>
+          <a:bodyPr/>
+          <a:lstStyle/>
+          <a:p>
+            <a:fld id="{812D7E2C-03C1-4B92-BBE3-2FB5C5D5BF8B}" type="slidenum">
+              <a:rPr lang="ru-RU" smtClean="0"/>
+              <a:t>21</a:t>
+            </a:fld>
+            <a:endParaRPr lang="ru-RU"/>
+          </a:p>
+        </p:txBody>
+      </p:sp>
+    </p:spTree>
+    <p:extLst>
+      <p:ext uri="{BB962C8B-B14F-4D97-AF65-F5344CB8AC3E}">
+        <p14:creationId xmlns:p14="http://schemas.microsoft.com/office/powerpoint/2010/main" val="2660983515"/>
+      </p:ext>
+    </p:extLst>
+  </p:cSld>
+  <p:clrMapOvr>
+    <a:masterClrMapping/>
+  </p:clrMapOvr>
+</p:notes>
+</file>
+
+<file path=ppt/notesSlides/notesSlide22.xml><?xml version="1.0" encoding="utf-8"?>
 <p:notes xmlns:a="http://schemas.openxmlformats.org/drawingml/2006/main" xmlns:r="http://schemas.openxmlformats.org/officeDocument/2006/relationships" xmlns:p="http://schemas.openxmlformats.org/presentationml/2006/main" showMasterSp="0" showMasterPhAnim="0">
   <p:cSld>
     <p:spTree>
@@ -9439,6 +9524,123 @@
   <p:cSld>
     <p:spTree>
       <p:nvGrpSpPr>
+        <p:cNvPr id="1" name=""/>
+        <p:cNvGrpSpPr/>
+        <p:nvPr/>
+      </p:nvGrpSpPr>
+      <p:grpSpPr>
+        <a:xfrm>
+          <a:off x="0" y="0"/>
+          <a:ext cx="0" cy="0"/>
+          <a:chOff x="0" y="0"/>
+          <a:chExt cx="0" cy="0"/>
+        </a:xfrm>
+      </p:grpSpPr>
+      <p:sp>
+        <p:nvSpPr>
+          <p:cNvPr id="2" name="Заголовок 1"/>
+          <p:cNvSpPr>
+            <a:spLocks noGrp="1"/>
+          </p:cNvSpPr>
+          <p:nvPr>
+            <p:ph type="title"/>
+          </p:nvPr>
+        </p:nvSpPr>
+        <p:spPr/>
+        <p:txBody>
+          <a:bodyPr/>
+          <a:lstStyle/>
+          <a:p>
+            <a:r>
+              <a:rPr lang="en-US" sz="2800" dirty="0"/>
+              <a:t>Homework</a:t>
+            </a:r>
+            <a:endParaRPr lang="ru-RU" sz="2800" dirty="0"/>
+          </a:p>
+        </p:txBody>
+      </p:sp>
+      <p:sp>
+        <p:nvSpPr>
+          <p:cNvPr id="3" name="Объект 2"/>
+          <p:cNvSpPr>
+            <a:spLocks noGrp="1"/>
+          </p:cNvSpPr>
+          <p:nvPr>
+            <p:ph type="body" idx="1"/>
+          </p:nvPr>
+        </p:nvSpPr>
+        <p:spPr/>
+        <p:txBody>
+          <a:bodyPr>
+            <a:normAutofit/>
+          </a:bodyPr>
+          <a:lstStyle/>
+          <a:p>
+            <a:pPr lvl="1">
+              <a:lnSpc>
+                <a:spcPct val="150000"/>
+              </a:lnSpc>
+            </a:pPr>
+            <a:r>
+              <a:rPr lang="en-US" dirty="0"/>
+              <a:t>Use Spring </a:t>
+            </a:r>
+            <a:r>
+              <a:rPr lang="en-US" dirty="0" err="1"/>
+              <a:t>Jdbc</a:t>
+            </a:r>
+            <a:r>
+              <a:rPr lang="en-US" dirty="0"/>
+              <a:t> and </a:t>
+            </a:r>
+            <a:r>
+              <a:rPr lang="en-US" dirty="0" err="1"/>
+              <a:t>Hikari</a:t>
+            </a:r>
+            <a:r>
+              <a:rPr lang="en-US" dirty="0"/>
+              <a:t> </a:t>
+            </a:r>
+            <a:r>
+              <a:rPr lang="en-US" dirty="0" err="1"/>
+              <a:t>datasource</a:t>
+            </a:r>
+            <a:r>
+              <a:rPr lang="en-US" dirty="0"/>
+              <a:t> in your application instead of direct usage of connections, and statements</a:t>
+            </a:r>
+          </a:p>
+          <a:p>
+            <a:pPr lvl="1">
+              <a:lnSpc>
+                <a:spcPct val="150000"/>
+              </a:lnSpc>
+            </a:pPr>
+            <a:r>
+              <a:rPr lang="en-US" dirty="0"/>
+              <a:t>Use Flyway to create database structure (and populate with data) on application startup</a:t>
+            </a:r>
+          </a:p>
+        </p:txBody>
+      </p:sp>
+    </p:spTree>
+    <p:extLst>
+      <p:ext uri="{BB962C8B-B14F-4D97-AF65-F5344CB8AC3E}">
+        <p14:creationId xmlns:p14="http://schemas.microsoft.com/office/powerpoint/2010/main" val="3417687982"/>
+      </p:ext>
+    </p:extLst>
+  </p:cSld>
+  <p:clrMapOvr>
+    <a:masterClrMapping/>
+  </p:clrMapOvr>
+</p:sld>
+</file>
+
+<file path=ppt/slides/slide22.xml><?xml version="1.0" encoding="utf-8"?>
+<p:sld xmlns:a="http://schemas.openxmlformats.org/drawingml/2006/main" xmlns:r="http://schemas.openxmlformats.org/officeDocument/2006/relationships" xmlns:p="http://schemas.openxmlformats.org/presentationml/2006/main">
+  <p:cSld>
+    <p:spTree>
+      <p:nvGrpSpPr>
         <p:cNvPr id="1" name="Shape 333"/>
         <p:cNvGrpSpPr/>
         <p:nvPr/>
@@ -9707,7 +9909,7 @@
             <a:fld id="{00000000-1234-1234-1234-123412341234}" type="slidenum">
               <a:rPr lang="en" smtClean="0"/>
               <a:pPr/>
-              <a:t>21</a:t>
+              <a:t>22</a:t>
             </a:fld>
             <a:endParaRPr lang="en"/>
           </a:p>
